--- a/fuentes/contenidos/grado09/guion03/MapaConceptual_MA_09_03_CO.pptx
+++ b/fuentes/contenidos/grado09/guion03/MapaConceptual_MA_09_03_CO.pptx
@@ -355,7 +355,7 @@
           <a:p>
             <a:fld id="{8DF5D5A2-E459-484B-B605-65C3C8CA7009}" type="datetimeFigureOut">
               <a:rPr lang="es-CO" smtClean="0"/>
-              <a:t>14/11/2015</a:t>
+              <a:t>27/11/2015</a:t>
             </a:fld>
             <a:endParaRPr lang="es-CO"/>
           </a:p>
@@ -525,7 +525,7 @@
           <a:p>
             <a:fld id="{8DF5D5A2-E459-484B-B605-65C3C8CA7009}" type="datetimeFigureOut">
               <a:rPr lang="es-CO" smtClean="0"/>
-              <a:t>14/11/2015</a:t>
+              <a:t>27/11/2015</a:t>
             </a:fld>
             <a:endParaRPr lang="es-CO"/>
           </a:p>
@@ -771,7 +771,7 @@
           <a:p>
             <a:fld id="{8DF5D5A2-E459-484B-B605-65C3C8CA7009}" type="datetimeFigureOut">
               <a:rPr lang="es-CO" smtClean="0"/>
-              <a:t>14/11/2015</a:t>
+              <a:t>27/11/2015</a:t>
             </a:fld>
             <a:endParaRPr lang="es-CO"/>
           </a:p>
@@ -1003,7 +1003,7 @@
           <a:p>
             <a:fld id="{8DF5D5A2-E459-484B-B605-65C3C8CA7009}" type="datetimeFigureOut">
               <a:rPr lang="es-CO" smtClean="0"/>
-              <a:t>14/11/2015</a:t>
+              <a:t>27/11/2015</a:t>
             </a:fld>
             <a:endParaRPr lang="es-CO"/>
           </a:p>
@@ -1370,7 +1370,7 @@
           <a:p>
             <a:fld id="{8DF5D5A2-E459-484B-B605-65C3C8CA7009}" type="datetimeFigureOut">
               <a:rPr lang="es-CO" smtClean="0"/>
-              <a:t>14/11/2015</a:t>
+              <a:t>27/11/2015</a:t>
             </a:fld>
             <a:endParaRPr lang="es-CO"/>
           </a:p>
@@ -1488,7 +1488,7 @@
           <a:p>
             <a:fld id="{8DF5D5A2-E459-484B-B605-65C3C8CA7009}" type="datetimeFigureOut">
               <a:rPr lang="es-CO" smtClean="0"/>
-              <a:t>14/11/2015</a:t>
+              <a:t>27/11/2015</a:t>
             </a:fld>
             <a:endParaRPr lang="es-CO"/>
           </a:p>
@@ -1583,7 +1583,7 @@
           <a:p>
             <a:fld id="{8DF5D5A2-E459-484B-B605-65C3C8CA7009}" type="datetimeFigureOut">
               <a:rPr lang="es-CO" smtClean="0"/>
-              <a:t>14/11/2015</a:t>
+              <a:t>27/11/2015</a:t>
             </a:fld>
             <a:endParaRPr lang="es-CO"/>
           </a:p>
@@ -1860,7 +1860,7 @@
           <a:p>
             <a:fld id="{8DF5D5A2-E459-484B-B605-65C3C8CA7009}" type="datetimeFigureOut">
               <a:rPr lang="es-CO" smtClean="0"/>
-              <a:t>14/11/2015</a:t>
+              <a:t>27/11/2015</a:t>
             </a:fld>
             <a:endParaRPr lang="es-CO"/>
           </a:p>
@@ -2150,7 +2150,7 @@
           <a:p>
             <a:fld id="{8DF5D5A2-E459-484B-B605-65C3C8CA7009}" type="datetimeFigureOut">
               <a:rPr lang="es-CO" smtClean="0"/>
-              <a:t>14/11/2015</a:t>
+              <a:t>27/11/2015</a:t>
             </a:fld>
             <a:endParaRPr lang="es-CO"/>
           </a:p>
@@ -2320,7 +2320,7 @@
           <a:p>
             <a:fld id="{8DF5D5A2-E459-484B-B605-65C3C8CA7009}" type="datetimeFigureOut">
               <a:rPr lang="es-CO" smtClean="0"/>
-              <a:t>14/11/2015</a:t>
+              <a:t>27/11/2015</a:t>
             </a:fld>
             <a:endParaRPr lang="es-CO"/>
           </a:p>
@@ -2500,7 +2500,7 @@
           <a:p>
             <a:fld id="{8DF5D5A2-E459-484B-B605-65C3C8CA7009}" type="datetimeFigureOut">
               <a:rPr lang="es-CO" smtClean="0"/>
-              <a:t>14/11/2015</a:t>
+              <a:t>27/11/2015</a:t>
             </a:fld>
             <a:endParaRPr lang="es-CO"/>
           </a:p>
@@ -2751,7 +2751,7 @@
           <a:p>
             <a:fld id="{5001C876-01F7-4317-94B9-1AE222133113}" type="datetimeFigureOut">
               <a:rPr lang="es-ES" smtClean="0"/>
-              <a:t>14/11/2015</a:t>
+              <a:t>27/11/2015</a:t>
             </a:fld>
             <a:endParaRPr lang="es-ES"/>
           </a:p>
@@ -3461,7 +3461,7 @@
           <a:p>
             <a:fld id="{8DF5D5A2-E459-484B-B605-65C3C8CA7009}" type="datetimeFigureOut">
               <a:rPr lang="es-CO" smtClean="0"/>
-              <a:t>14/11/2015</a:t>
+              <a:t>27/11/2015</a:t>
             </a:fld>
             <a:endParaRPr lang="es-CO"/>
           </a:p>
@@ -5751,8 +5751,15 @@
                 <a:latin typeface="Arial" panose="020B0604020202020204" pitchFamily="34" charset="0"/>
                 <a:cs typeface="Arial" panose="020B0604020202020204" pitchFamily="34" charset="0"/>
               </a:rPr>
-              <a:t>Multiplicación</a:t>
-            </a:r>
+              <a:t>multiplicación</a:t>
+            </a:r>
+            <a:endParaRPr lang="es-ES" sz="1050" dirty="0" smtClean="0">
+              <a:solidFill>
+                <a:schemeClr val="bg1"/>
+              </a:solidFill>
+              <a:latin typeface="Arial" panose="020B0604020202020204" pitchFamily="34" charset="0"/>
+              <a:cs typeface="Arial" panose="020B0604020202020204" pitchFamily="34" charset="0"/>
+            </a:endParaRPr>
           </a:p>
           <a:p>
             <a:pPr marL="171450" indent="-171450">
@@ -6087,7 +6094,17 @@
                 <a:latin typeface="Arial" panose="020B0604020202020204" pitchFamily="34" charset="0"/>
                 <a:cs typeface="Arial" panose="020B0604020202020204" pitchFamily="34" charset="0"/>
               </a:rPr>
-              <a:t>Inverso aditivo</a:t>
+              <a:t>inverso </a:t>
+            </a:r>
+            <a:r>
+              <a:rPr lang="es-ES" sz="900" dirty="0" smtClean="0">
+                <a:solidFill>
+                  <a:schemeClr val="tx1"/>
+                </a:solidFill>
+                <a:latin typeface="Arial" panose="020B0604020202020204" pitchFamily="34" charset="0"/>
+                <a:cs typeface="Arial" panose="020B0604020202020204" pitchFamily="34" charset="0"/>
+              </a:rPr>
+              <a:t>aditivo</a:t>
             </a:r>
             <a:endParaRPr lang="es-ES" sz="900" dirty="0">
               <a:solidFill>
@@ -6149,7 +6166,17 @@
                 <a:latin typeface="Arial" panose="020B0604020202020204" pitchFamily="34" charset="0"/>
                 <a:cs typeface="Arial" panose="020B0604020202020204" pitchFamily="34" charset="0"/>
               </a:rPr>
-              <a:t>Inverso multiplicativo</a:t>
+              <a:t>inverso </a:t>
+            </a:r>
+            <a:r>
+              <a:rPr lang="es-ES" sz="900" dirty="0" smtClean="0">
+                <a:solidFill>
+                  <a:schemeClr val="tx1"/>
+                </a:solidFill>
+                <a:latin typeface="Arial" panose="020B0604020202020204" pitchFamily="34" charset="0"/>
+                <a:cs typeface="Arial" panose="020B0604020202020204" pitchFamily="34" charset="0"/>
+              </a:rPr>
+              <a:t>multiplicativo</a:t>
             </a:r>
             <a:endParaRPr lang="es-ES" sz="900" dirty="0">
               <a:solidFill>

--- a/fuentes/contenidos/grado09/guion03/MapaConceptual_MA_09_03_CO.pptx
+++ b/fuentes/contenidos/grado09/guion03/MapaConceptual_MA_09_03_CO.pptx
@@ -355,7 +355,7 @@
           <a:p>
             <a:fld id="{8DF5D5A2-E459-484B-B605-65C3C8CA7009}" type="datetimeFigureOut">
               <a:rPr lang="es-CO" smtClean="0"/>
-              <a:t>27/11/2015</a:t>
+              <a:t>4/12/2015</a:t>
             </a:fld>
             <a:endParaRPr lang="es-CO"/>
           </a:p>
@@ -525,7 +525,7 @@
           <a:p>
             <a:fld id="{8DF5D5A2-E459-484B-B605-65C3C8CA7009}" type="datetimeFigureOut">
               <a:rPr lang="es-CO" smtClean="0"/>
-              <a:t>27/11/2015</a:t>
+              <a:t>4/12/2015</a:t>
             </a:fld>
             <a:endParaRPr lang="es-CO"/>
           </a:p>
@@ -771,7 +771,7 @@
           <a:p>
             <a:fld id="{8DF5D5A2-E459-484B-B605-65C3C8CA7009}" type="datetimeFigureOut">
               <a:rPr lang="es-CO" smtClean="0"/>
-              <a:t>27/11/2015</a:t>
+              <a:t>4/12/2015</a:t>
             </a:fld>
             <a:endParaRPr lang="es-CO"/>
           </a:p>
@@ -1003,7 +1003,7 @@
           <a:p>
             <a:fld id="{8DF5D5A2-E459-484B-B605-65C3C8CA7009}" type="datetimeFigureOut">
               <a:rPr lang="es-CO" smtClean="0"/>
-              <a:t>27/11/2015</a:t>
+              <a:t>4/12/2015</a:t>
             </a:fld>
             <a:endParaRPr lang="es-CO"/>
           </a:p>
@@ -1370,7 +1370,7 @@
           <a:p>
             <a:fld id="{8DF5D5A2-E459-484B-B605-65C3C8CA7009}" type="datetimeFigureOut">
               <a:rPr lang="es-CO" smtClean="0"/>
-              <a:t>27/11/2015</a:t>
+              <a:t>4/12/2015</a:t>
             </a:fld>
             <a:endParaRPr lang="es-CO"/>
           </a:p>
@@ -1488,7 +1488,7 @@
           <a:p>
             <a:fld id="{8DF5D5A2-E459-484B-B605-65C3C8CA7009}" type="datetimeFigureOut">
               <a:rPr lang="es-CO" smtClean="0"/>
-              <a:t>27/11/2015</a:t>
+              <a:t>4/12/2015</a:t>
             </a:fld>
             <a:endParaRPr lang="es-CO"/>
           </a:p>
@@ -1583,7 +1583,7 @@
           <a:p>
             <a:fld id="{8DF5D5A2-E459-484B-B605-65C3C8CA7009}" type="datetimeFigureOut">
               <a:rPr lang="es-CO" smtClean="0"/>
-              <a:t>27/11/2015</a:t>
+              <a:t>4/12/2015</a:t>
             </a:fld>
             <a:endParaRPr lang="es-CO"/>
           </a:p>
@@ -1860,7 +1860,7 @@
           <a:p>
             <a:fld id="{8DF5D5A2-E459-484B-B605-65C3C8CA7009}" type="datetimeFigureOut">
               <a:rPr lang="es-CO" smtClean="0"/>
-              <a:t>27/11/2015</a:t>
+              <a:t>4/12/2015</a:t>
             </a:fld>
             <a:endParaRPr lang="es-CO"/>
           </a:p>
@@ -2150,7 +2150,7 @@
           <a:p>
             <a:fld id="{8DF5D5A2-E459-484B-B605-65C3C8CA7009}" type="datetimeFigureOut">
               <a:rPr lang="es-CO" smtClean="0"/>
-              <a:t>27/11/2015</a:t>
+              <a:t>4/12/2015</a:t>
             </a:fld>
             <a:endParaRPr lang="es-CO"/>
           </a:p>
@@ -2320,7 +2320,7 @@
           <a:p>
             <a:fld id="{8DF5D5A2-E459-484B-B605-65C3C8CA7009}" type="datetimeFigureOut">
               <a:rPr lang="es-CO" smtClean="0"/>
-              <a:t>27/11/2015</a:t>
+              <a:t>4/12/2015</a:t>
             </a:fld>
             <a:endParaRPr lang="es-CO"/>
           </a:p>
@@ -2500,7 +2500,7 @@
           <a:p>
             <a:fld id="{8DF5D5A2-E459-484B-B605-65C3C8CA7009}" type="datetimeFigureOut">
               <a:rPr lang="es-CO" smtClean="0"/>
-              <a:t>27/11/2015</a:t>
+              <a:t>4/12/2015</a:t>
             </a:fld>
             <a:endParaRPr lang="es-CO"/>
           </a:p>
@@ -2751,7 +2751,7 @@
           <a:p>
             <a:fld id="{5001C876-01F7-4317-94B9-1AE222133113}" type="datetimeFigureOut">
               <a:rPr lang="es-ES" smtClean="0"/>
-              <a:t>27/11/2015</a:t>
+              <a:t>04/12/2015</a:t>
             </a:fld>
             <a:endParaRPr lang="es-ES"/>
           </a:p>
@@ -3461,7 +3461,7 @@
           <a:p>
             <a:fld id="{8DF5D5A2-E459-484B-B605-65C3C8CA7009}" type="datetimeFigureOut">
               <a:rPr lang="es-CO" smtClean="0"/>
-              <a:t>27/11/2015</a:t>
+              <a:t>4/12/2015</a:t>
             </a:fld>
             <a:endParaRPr lang="es-CO"/>
           </a:p>
@@ -4107,37 +4107,17 @@
                 <a:latin typeface="Arial" panose="020B0604020202020204" pitchFamily="34" charset="0"/>
                 <a:cs typeface="Arial" panose="020B0604020202020204" pitchFamily="34" charset="0"/>
               </a:rPr>
-              <a:t>números con los cuales se puede resolver ecuaciones que no tienen solución en los reales, tales como  </a:t>
-            </a:r>
-            <a:r>
-              <a:rPr lang="es-ES" sz="1050" i="1" dirty="0">
+              <a:t>números con los cuales se puede resolver ecuaciones que no tienen solución en los </a:t>
+            </a:r>
+            <a:r>
+              <a:rPr lang="es-ES" sz="1050" dirty="0" smtClean="0">
                 <a:solidFill>
                   <a:schemeClr val="bg1"/>
                 </a:solidFill>
                 <a:latin typeface="Arial" panose="020B0604020202020204" pitchFamily="34" charset="0"/>
                 <a:cs typeface="Arial" panose="020B0604020202020204" pitchFamily="34" charset="0"/>
               </a:rPr>
-              <a:t>x</a:t>
-            </a:r>
-            <a:r>
-              <a:rPr lang="es-ES" sz="1050" baseline="30000" dirty="0">
-                <a:solidFill>
-                  <a:schemeClr val="bg1"/>
-                </a:solidFill>
-                <a:latin typeface="Arial" panose="020B0604020202020204" pitchFamily="34" charset="0"/>
-                <a:cs typeface="Arial" panose="020B0604020202020204" pitchFamily="34" charset="0"/>
-              </a:rPr>
-              <a:t>2 </a:t>
-            </a:r>
-            <a:r>
-              <a:rPr lang="es-ES" sz="1050" dirty="0">
-                <a:solidFill>
-                  <a:schemeClr val="bg1"/>
-                </a:solidFill>
-                <a:latin typeface="Arial" panose="020B0604020202020204" pitchFamily="34" charset="0"/>
-                <a:cs typeface="Arial" panose="020B0604020202020204" pitchFamily="34" charset="0"/>
-              </a:rPr>
-              <a:t>+ 4 = 0</a:t>
+              <a:t>reales.</a:t>
             </a:r>
             <a:endParaRPr lang="es-ES" sz="1050" i="1" dirty="0">
               <a:solidFill>
@@ -5753,13 +5733,6 @@
               </a:rPr>
               <a:t>multiplicación</a:t>
             </a:r>
-            <a:endParaRPr lang="es-ES" sz="1050" dirty="0" smtClean="0">
-              <a:solidFill>
-                <a:schemeClr val="bg1"/>
-              </a:solidFill>
-              <a:latin typeface="Arial" panose="020B0604020202020204" pitchFamily="34" charset="0"/>
-              <a:cs typeface="Arial" panose="020B0604020202020204" pitchFamily="34" charset="0"/>
-            </a:endParaRPr>
           </a:p>
           <a:p>
             <a:pPr marL="171450" indent="-171450">
@@ -6094,17 +6067,7 @@
                 <a:latin typeface="Arial" panose="020B0604020202020204" pitchFamily="34" charset="0"/>
                 <a:cs typeface="Arial" panose="020B0604020202020204" pitchFamily="34" charset="0"/>
               </a:rPr>
-              <a:t>inverso </a:t>
-            </a:r>
-            <a:r>
-              <a:rPr lang="es-ES" sz="900" dirty="0" smtClean="0">
-                <a:solidFill>
-                  <a:schemeClr val="tx1"/>
-                </a:solidFill>
-                <a:latin typeface="Arial" panose="020B0604020202020204" pitchFamily="34" charset="0"/>
-                <a:cs typeface="Arial" panose="020B0604020202020204" pitchFamily="34" charset="0"/>
-              </a:rPr>
-              <a:t>aditivo</a:t>
+              <a:t>inverso aditivo</a:t>
             </a:r>
             <a:endParaRPr lang="es-ES" sz="900" dirty="0">
               <a:solidFill>
@@ -6166,17 +6129,7 @@
                 <a:latin typeface="Arial" panose="020B0604020202020204" pitchFamily="34" charset="0"/>
                 <a:cs typeface="Arial" panose="020B0604020202020204" pitchFamily="34" charset="0"/>
               </a:rPr>
-              <a:t>inverso </a:t>
-            </a:r>
-            <a:r>
-              <a:rPr lang="es-ES" sz="900" dirty="0" smtClean="0">
-                <a:solidFill>
-                  <a:schemeClr val="tx1"/>
-                </a:solidFill>
-                <a:latin typeface="Arial" panose="020B0604020202020204" pitchFamily="34" charset="0"/>
-                <a:cs typeface="Arial" panose="020B0604020202020204" pitchFamily="34" charset="0"/>
-              </a:rPr>
-              <a:t>multiplicativo</a:t>
+              <a:t>inverso multiplicativo</a:t>
             </a:r>
             <a:endParaRPr lang="es-ES" sz="900" dirty="0">
               <a:solidFill>
